--- a/SyriaTel Powerpoint.pptx
+++ b/SyriaTel Powerpoint.pptx
@@ -15659,7 +15659,7 @@
           </a:bodyPr>
           <a:lstStyle/>
           <a:p>
-            <a:pPr marL="457200" lvl="0" indent="-317500" algn="l" rtl="0">
+            <a:pPr marL="139700" lvl="0" indent="0" algn="l" rtl="0">
               <a:spcBef>
                 <a:spcPts val="0"/>
               </a:spcBef>
@@ -15670,7 +15670,7 @@
                 <a:schemeClr val="dk1"/>
               </a:buClr>
               <a:buSzPts val="1400"/>
-              <a:buChar char="●"/>
+              <a:buNone/>
             </a:pPr>
             <a:r>
               <a:rPr lang="en-US" dirty="0">
@@ -15678,7 +15678,7 @@
                   <a:schemeClr val="dk1"/>
                 </a:solidFill>
               </a:rPr>
-              <a:t>The telecommunication industry is a key player in our daily lives, particularly in media transmission, experiencing continuous growth.</a:t>
+              <a:t>This analysis successfully achieved the objectives of building a machine learning model for customer churn prediction and utilizing it to estimate churn probability.</a:t>
             </a:r>
           </a:p>
           <a:p>
@@ -15721,7 +15721,62 @@
                   <a:schemeClr val="dk1"/>
                 </a:solidFill>
               </a:rPr>
-              <a:t>Operators in this sector face the ongoing challenge of staying competitive amidst rapid advancements.</a:t>
+              <a:t>Two models, Random Forest and </a:t>
+            </a:r>
+            <a:r>
+              <a:rPr lang="en-US" dirty="0" err="1">
+                <a:solidFill>
+                  <a:schemeClr val="dk1"/>
+                </a:solidFill>
+              </a:rPr>
+              <a:t>XGBoost</a:t>
+            </a:r>
+            <a:r>
+              <a:rPr lang="en-US" dirty="0">
+                <a:solidFill>
+                  <a:schemeClr val="dk1"/>
+                </a:solidFill>
+              </a:rPr>
+              <a:t>, were compared for their effectiveness in predicting churn.</a:t>
+            </a:r>
+          </a:p>
+          <a:p>
+            <a:pPr marL="457200" lvl="0" indent="-317500" algn="l" rtl="0">
+              <a:spcBef>
+                <a:spcPts val="0"/>
+              </a:spcBef>
+              <a:spcAft>
+                <a:spcPts val="0"/>
+              </a:spcAft>
+              <a:buClr>
+                <a:schemeClr val="dk1"/>
+              </a:buClr>
+              <a:buSzPts val="1400"/>
+              <a:buChar char="●"/>
+            </a:pPr>
+            <a:r>
+              <a:rPr lang="en-US" dirty="0">
+                <a:solidFill>
+                  <a:schemeClr val="dk1"/>
+                </a:solidFill>
+              </a:rPr>
+              <a:t>Both models demonstrated strong performance, with Random Forest showcasing a robust overall performance and </a:t>
+            </a:r>
+            <a:r>
+              <a:rPr lang="en-US" dirty="0" err="1">
+                <a:solidFill>
+                  <a:schemeClr val="dk1"/>
+                </a:solidFill>
+              </a:rPr>
+              <a:t>XGBoost</a:t>
+            </a:r>
+            <a:r>
+              <a:rPr lang="en-US" dirty="0">
+                <a:solidFill>
+                  <a:schemeClr val="dk1"/>
+                </a:solidFill>
+              </a:rPr>
+              <a:t> achieving a high recall score.</a:t>
             </a:r>
           </a:p>
           <a:p>
@@ -15745,7 +15800,7 @@
             </a:endParaRPr>
           </a:p>
           <a:p>
-            <a:pPr marL="457200" lvl="0" indent="-317500" algn="l" rtl="0">
+            <a:pPr marL="139700" lvl="0" indent="0" algn="l" rtl="0">
               <a:spcBef>
                 <a:spcPts val="0"/>
               </a:spcBef>
@@ -15756,7 +15811,7 @@
                 <a:schemeClr val="dk1"/>
               </a:buClr>
               <a:buSzPts val="1400"/>
-              <a:buChar char="●"/>
+              <a:buNone/>
             </a:pPr>
             <a:r>
               <a:rPr lang="en-US" dirty="0">
@@ -15764,50 +15819,23 @@
                   <a:schemeClr val="dk1"/>
                 </a:solidFill>
               </a:rPr>
-              <a:t>Retaining existing customers is paramount, as customer churn, the rate at which subscribers switch to competitors, poses a significant threat.</a:t>
+              <a:t>Discussion: </a:t>
             </a:r>
-          </a:p>
-          <a:p>
-            <a:pPr marL="457200" lvl="0" indent="-317500" algn="l" rtl="0">
-              <a:spcBef>
-                <a:spcPts val="0"/>
-              </a:spcBef>
-              <a:spcAft>
-                <a:spcPts val="0"/>
-              </a:spcAft>
-              <a:buClr>
-                <a:schemeClr val="dk1"/>
-              </a:buClr>
-              <a:buSzPts val="1400"/>
-              <a:buChar char="●"/>
-            </a:pPr>
-            <a:endParaRPr lang="en-US" dirty="0">
-              <a:solidFill>
-                <a:schemeClr val="dk1"/>
-              </a:solidFill>
-            </a:endParaRPr>
-          </a:p>
-          <a:p>
-            <a:pPr marL="457200" lvl="0" indent="-317500" algn="l" rtl="0">
-              <a:spcBef>
-                <a:spcPts val="0"/>
-              </a:spcBef>
-              <a:spcAft>
-                <a:spcPts val="0"/>
-              </a:spcAft>
-              <a:buClr>
-                <a:schemeClr val="dk1"/>
-              </a:buClr>
-              <a:buSzPts val="1400"/>
-              <a:buChar char="●"/>
-            </a:pPr>
+            <a:r>
+              <a:rPr lang="en-US" dirty="0" err="1">
+                <a:solidFill>
+                  <a:schemeClr val="dk1"/>
+                </a:solidFill>
+              </a:rPr>
+              <a:t>SyriaTel</a:t>
+            </a:r>
             <a:r>
               <a:rPr lang="en-US" dirty="0">
                 <a:solidFill>
                   <a:schemeClr val="dk1"/>
                 </a:solidFill>
               </a:rPr>
-              <a:t>Customer churn prediction involves employing data mining techniques to analyze customer data and anticipate churn.</a:t>
+              <a:t> should prioritize the Random Forest Classifier as the primary model for predicting customer churn due to its superior overall performance and ability to accurately identify potential churners.</a:t>
             </a:r>
           </a:p>
         </p:txBody>
@@ -16487,7 +16515,7 @@
                   <a:srgbClr val="F7937F"/>
                 </a:solidFill>
               </a:rPr>
-              <a:t>Reccomendation</a:t>
+              <a:t>Recommendation</a:t>
             </a:r>
             <a:endParaRPr u="sng" dirty="0">
               <a:solidFill>
@@ -16515,8 +16543,8 @@
         </p:nvSpPr>
         <p:spPr>
           <a:xfrm>
-            <a:off x="720000" y="1279264"/>
-            <a:ext cx="6651254" cy="2570400"/>
+            <a:off x="189187" y="1279264"/>
+            <a:ext cx="8647386" cy="3749936"/>
           </a:xfrm>
           <a:prstGeom prst="rect">
             <a:avLst/>
@@ -16528,7 +16556,7 @@
           </a:bodyPr>
           <a:lstStyle/>
           <a:p>
-            <a:pPr marL="457200" lvl="0" indent="-317500" algn="l" rtl="0">
+            <a:pPr marL="139700" lvl="0" indent="0" algn="l" rtl="0">
               <a:spcBef>
                 <a:spcPts val="0"/>
               </a:spcBef>
@@ -16539,7 +16567,7 @@
                 <a:schemeClr val="dk1"/>
               </a:buClr>
               <a:buSzPts val="1400"/>
-              <a:buChar char="●"/>
+              <a:buNone/>
             </a:pPr>
             <a:r>
               <a:rPr lang="en-US" dirty="0">
@@ -16547,7 +16575,7 @@
                   <a:schemeClr val="dk1"/>
                 </a:solidFill>
               </a:rPr>
-              <a:t>The telecommunication industry is a key player in our daily lives, particularly in media transmission, experiencing continuous growth.</a:t>
+              <a:t>The analysis identified key factors significantly impacting customer churn prediction (Feature Importance):</a:t>
             </a:r>
           </a:p>
           <a:p>
@@ -16590,7 +16618,112 @@
                   <a:schemeClr val="dk1"/>
                 </a:solidFill>
               </a:rPr>
-              <a:t>Operators in this sector face the ongoing challenge of staying competitive amidst rapid advancements.</a:t>
+              <a:t>Call minutes and charges (daytime, evening, international)</a:t>
+            </a:r>
+          </a:p>
+          <a:p>
+            <a:pPr marL="457200" lvl="0" indent="-317500" algn="l" rtl="0">
+              <a:spcBef>
+                <a:spcPts val="0"/>
+              </a:spcBef>
+              <a:spcAft>
+                <a:spcPts val="0"/>
+              </a:spcAft>
+              <a:buClr>
+                <a:schemeClr val="dk1"/>
+              </a:buClr>
+              <a:buSzPts val="1400"/>
+              <a:buChar char="●"/>
+            </a:pPr>
+            <a:r>
+              <a:rPr lang="en-US" dirty="0">
+                <a:solidFill>
+                  <a:schemeClr val="dk1"/>
+                </a:solidFill>
+              </a:rPr>
+              <a:t>Customer service calls</a:t>
+            </a:r>
+          </a:p>
+          <a:p>
+            <a:pPr marL="457200" lvl="0" indent="-317500" algn="l" rtl="0">
+              <a:spcBef>
+                <a:spcPts val="0"/>
+              </a:spcBef>
+              <a:spcAft>
+                <a:spcPts val="0"/>
+              </a:spcAft>
+              <a:buClr>
+                <a:schemeClr val="dk1"/>
+              </a:buClr>
+              <a:buSzPts val="1400"/>
+              <a:buChar char="●"/>
+            </a:pPr>
+            <a:r>
+              <a:rPr lang="en-US" dirty="0">
+                <a:solidFill>
+                  <a:schemeClr val="dk1"/>
+                </a:solidFill>
+              </a:rPr>
+              <a:t>Usage of value-added services (voicemail plan)</a:t>
+            </a:r>
+          </a:p>
+          <a:p>
+            <a:pPr marL="457200" lvl="0" indent="-317500" algn="l" rtl="0">
+              <a:spcBef>
+                <a:spcPts val="0"/>
+              </a:spcBef>
+              <a:spcAft>
+                <a:spcPts val="0"/>
+              </a:spcAft>
+              <a:buClr>
+                <a:schemeClr val="dk1"/>
+              </a:buClr>
+              <a:buSzPts val="1400"/>
+              <a:buChar char="●"/>
+            </a:pPr>
+            <a:endParaRPr lang="en-US" dirty="0">
+              <a:solidFill>
+                <a:schemeClr val="dk1"/>
+              </a:solidFill>
+            </a:endParaRPr>
+          </a:p>
+          <a:p>
+            <a:pPr marL="139700" lvl="0" indent="0" algn="l" rtl="0">
+              <a:spcBef>
+                <a:spcPts val="0"/>
+              </a:spcBef>
+              <a:spcAft>
+                <a:spcPts val="0"/>
+              </a:spcAft>
+              <a:buClr>
+                <a:schemeClr val="dk1"/>
+              </a:buClr>
+              <a:buSzPts val="1400"/>
+              <a:buNone/>
+            </a:pPr>
+            <a:r>
+              <a:rPr lang="en-US" dirty="0">
+                <a:solidFill>
+                  <a:schemeClr val="dk1"/>
+                </a:solidFill>
+              </a:rPr>
+              <a:t>Based on these insights, </a:t>
+            </a:r>
+            <a:r>
+              <a:rPr lang="en-US" dirty="0" err="1">
+                <a:solidFill>
+                  <a:schemeClr val="dk1"/>
+                </a:solidFill>
+              </a:rPr>
+              <a:t>SyriaTel</a:t>
+            </a:r>
+            <a:r>
+              <a:rPr lang="en-US" dirty="0">
+                <a:solidFill>
+                  <a:schemeClr val="dk1"/>
+                </a:solidFill>
+              </a:rPr>
+              <a:t> should implement strategic customer retention efforts that address these factors:</a:t>
             </a:r>
           </a:p>
           <a:p>
@@ -16633,28 +16766,8 @@
                   <a:schemeClr val="dk1"/>
                 </a:solidFill>
               </a:rPr>
-              <a:t>Retaining existing customers is paramount, as customer churn, the rate at which subscribers switch to competitors, poses a significant threat.</a:t>
+              <a:t>Personalized offers and discounts: Target customers based on their usage patterns (e.g., high day charges) with relevant incentives.</a:t>
             </a:r>
-          </a:p>
-          <a:p>
-            <a:pPr marL="457200" lvl="0" indent="-317500" algn="l" rtl="0">
-              <a:spcBef>
-                <a:spcPts val="0"/>
-              </a:spcBef>
-              <a:spcAft>
-                <a:spcPts val="0"/>
-              </a:spcAft>
-              <a:buClr>
-                <a:schemeClr val="dk1"/>
-              </a:buClr>
-              <a:buSzPts val="1400"/>
-              <a:buChar char="●"/>
-            </a:pPr>
-            <a:endParaRPr lang="en-US" dirty="0">
-              <a:solidFill>
-                <a:schemeClr val="dk1"/>
-              </a:solidFill>
-            </a:endParaRPr>
           </a:p>
           <a:p>
             <a:pPr marL="457200" lvl="0" indent="-317500" algn="l" rtl="0">
@@ -16676,7 +16789,30 @@
                   <a:schemeClr val="dk1"/>
                 </a:solidFill>
               </a:rPr>
-              <a:t>Customer churn prediction involves employing data mining techniques to analyze customer data and anticipate churn.</a:t>
+              <a:t>Reduce customer service calls: Invest in strategies like interactive voice response (IVR) systems to improve customer experience and decrease churn associated with frequent calls.</a:t>
+            </a:r>
+          </a:p>
+          <a:p>
+            <a:pPr marL="457200" lvl="0" indent="-317500" algn="l" rtl="0">
+              <a:spcBef>
+                <a:spcPts val="0"/>
+              </a:spcBef>
+              <a:spcAft>
+                <a:spcPts val="0"/>
+              </a:spcAft>
+              <a:buClr>
+                <a:schemeClr val="dk1"/>
+              </a:buClr>
+              <a:buSzPts val="1400"/>
+              <a:buChar char="●"/>
+            </a:pPr>
+            <a:r>
+              <a:rPr lang="en-US" dirty="0">
+                <a:solidFill>
+                  <a:schemeClr val="dk1"/>
+                </a:solidFill>
+              </a:rPr>
+              <a:t>Promote value-added services: Highlight the benefits of services like voicemail plans and incentivize customer adoption.</a:t>
             </a:r>
           </a:p>
         </p:txBody>
@@ -16771,7 +16907,7 @@
         </p:nvGrpSpPr>
         <p:grpSpPr>
           <a:xfrm>
-            <a:off x="8048550" y="3849664"/>
+            <a:off x="7865588" y="268925"/>
             <a:ext cx="750900" cy="750900"/>
             <a:chOff x="3953900" y="1018313"/>
             <a:chExt cx="750900" cy="750900"/>
@@ -18882,7 +19018,7 @@
           </a:xfrm>
           <a:prstGeom prst="bentConnector3">
             <a:avLst>
-              <a:gd name="adj1" fmla="val 50006"/>
+              <a:gd name="adj1" fmla="val 46287"/>
             </a:avLst>
           </a:prstGeom>
           <a:noFill/>
